--- a/DS_Poster_ANR.pptx
+++ b/DS_Poster_ANR.pptx
@@ -256,7 +256,7 @@
             <a:fld id="{0158C5BC-9A70-462C-B28D-9600239EAC64}" type="datetimeFigureOut">
               <a:rPr lang="en-US" smtClean="0"/>
               <a:pPr/>
-              <a:t>3/11/24</a:t>
+              <a:t>3/12/24</a:t>
             </a:fld>
             <a:endParaRPr lang="en-US"/>
           </a:p>
@@ -423,7 +423,7 @@
             <a:fld id="{E6CC2317-6751-4CD4-9995-8782DD78E936}" type="datetimeFigureOut">
               <a:rPr lang="en-US" smtClean="0"/>
               <a:pPr/>
-              <a:t>3/11/24</a:t>
+              <a:t>3/12/24</a:t>
             </a:fld>
             <a:endParaRPr lang="en-US" dirty="0"/>
           </a:p>
